--- a/presentation_HU/FaceDetectionAndRecognition_HU.pptx
+++ b/presentation_HU/FaceDetectionAndRecognition_HU.pptx
@@ -12,9 +12,9 @@
   </p:handoutMasterIdLst>
   <p:sldIdLst>
     <p:sldId id="257" r:id="rId2"/>
-    <p:sldId id="261" r:id="rId3"/>
-    <p:sldId id="263" r:id="rId4"/>
-    <p:sldId id="264" r:id="rId5"/>
+    <p:sldId id="263" r:id="rId3"/>
+    <p:sldId id="264" r:id="rId4"/>
+    <p:sldId id="270" r:id="rId5"/>
     <p:sldId id="265" r:id="rId6"/>
     <p:sldId id="266" r:id="rId7"/>
     <p:sldId id="267" r:id="rId8"/>
@@ -214,7 +214,7 @@
             <a:pPr rtl="0"/>
             <a:fld id="{5814DCE5-411A-4E42-AD3C-2494A4EAE779}" type="datetime1">
               <a:rPr lang="hu-HU" smtClean="0"/>
-              <a:t>2020. 11. 09.</a:t>
+              <a:t>2020. 11. 10.</a:t>
             </a:fld>
             <a:endParaRPr lang="en-US" dirty="0"/>
           </a:p>
@@ -384,7 +384,7 @@
             <a:pPr rtl="0"/>
             <a:fld id="{79368516-3842-4620-B9B3-67F535CB3A5D}" type="datetime1">
               <a:rPr lang="hu-HU" smtClean="0"/>
-              <a:t>2020. 11. 09.</a:t>
+              <a:t>2020. 11. 10.</a:t>
             </a:fld>
             <a:endParaRPr lang="en-US"/>
           </a:p>
@@ -655,6 +655,268 @@
     </a:lvl9pPr>
   </p:notesStyle>
 </p:notesMaster>
+</file>
+
+<file path=ppt/notesSlides/notesSlide1.xml><?xml version="1.0" encoding="utf-8"?>
+<p:notes xmlns:a="http://schemas.openxmlformats.org/drawingml/2006/main" xmlns:r="http://schemas.openxmlformats.org/officeDocument/2006/relationships" xmlns:p="http://schemas.openxmlformats.org/presentationml/2006/main">
+  <p:cSld>
+    <p:spTree>
+      <p:nvGrpSpPr>
+        <p:cNvPr id="1" name=""/>
+        <p:cNvGrpSpPr/>
+        <p:nvPr/>
+      </p:nvGrpSpPr>
+      <p:grpSpPr>
+        <a:xfrm>
+          <a:off x="0" y="0"/>
+          <a:ext cx="0" cy="0"/>
+          <a:chOff x="0" y="0"/>
+          <a:chExt cx="0" cy="0"/>
+        </a:xfrm>
+      </p:grpSpPr>
+      <p:sp>
+        <p:nvSpPr>
+          <p:cNvPr id="2" name="Diakép helye 1"/>
+          <p:cNvSpPr>
+            <a:spLocks noGrp="1" noRot="1" noChangeAspect="1"/>
+          </p:cNvSpPr>
+          <p:nvPr>
+            <p:ph type="sldImg"/>
+          </p:nvPr>
+        </p:nvSpPr>
+        <p:spPr/>
+      </p:sp>
+      <p:sp>
+        <p:nvSpPr>
+          <p:cNvPr id="3" name="Jegyzetek helye 2"/>
+          <p:cNvSpPr>
+            <a:spLocks noGrp="1"/>
+          </p:cNvSpPr>
+          <p:nvPr>
+            <p:ph type="body" idx="1"/>
+          </p:nvPr>
+        </p:nvSpPr>
+        <p:spPr/>
+        <p:txBody>
+          <a:bodyPr/>
+          <a:lstStyle/>
+          <a:p>
+            <a:pPr marL="228600" indent="-228600">
+              <a:buAutoNum type="arabicPeriod"/>
+            </a:pPr>
+            <a:r>
+              <a:rPr lang="hu-HU" dirty="0"/>
+              <a:t>Legalább két részből áll (arcdetektálás + arcfelismerés), harmadik (köztes) lépés lehet az arc jellemző pontjainak megállapítása, de ez inkább az arcdetektálás része szokott lenni.</a:t>
+            </a:r>
+          </a:p>
+          <a:p>
+            <a:pPr marL="228600" indent="-228600">
+              <a:buAutoNum type="arabicPeriod"/>
+            </a:pPr>
+            <a:r>
+              <a:rPr lang="hu-HU" dirty="0"/>
+              <a:t>-</a:t>
+            </a:r>
+          </a:p>
+          <a:p>
+            <a:pPr marL="228600" indent="-228600">
+              <a:buAutoNum type="arabicPeriod"/>
+            </a:pPr>
+            <a:r>
+              <a:rPr lang="hu-HU" dirty="0"/>
+              <a:t>Komponens-alapú csak olyan szürkeárnyalatos képeknél alkalmazható, ahol a képet szemből készítették. Ellipszisillesztésnél élkiemeléssel kell illeszteni ellipszist a rendelkezésre álló pontokra. Az élkiemelés után pedig a bináris képen lévő pontok koordinátáira kell elvégezni az illesztést. Szegmentálás bőrszín alapján csak színes képekre alkalmazható, de független a fej pozíciójától.</a:t>
+            </a:r>
+          </a:p>
+          <a:p>
+            <a:pPr marL="228600" indent="-228600">
+              <a:buAutoNum type="arabicPeriod"/>
+            </a:pPr>
+            <a:r>
+              <a:rPr lang="hu-HU" dirty="0"/>
+              <a:t>A sablonillesztés a képrészletek közvetlen összehasonlításán alapul, tehát csak akkor működik jól, ha a tanító képek és a kameraképből készített képek iránya, mérete azonos. Neurális hálókkal csak kis adatbázis esetén tudnak dolgozni. Az </a:t>
+            </a:r>
+            <a:r>
+              <a:rPr lang="hu-HU" dirty="0" err="1"/>
+              <a:t>Eigenface</a:t>
+            </a:r>
+            <a:r>
+              <a:rPr lang="hu-HU" dirty="0"/>
+              <a:t> talán a legnépszerűbb arcfelismerő módszer, 1987 óta használatos. </a:t>
+            </a:r>
+          </a:p>
+        </p:txBody>
+      </p:sp>
+      <p:sp>
+        <p:nvSpPr>
+          <p:cNvPr id="4" name="Dátum helye 3"/>
+          <p:cNvSpPr>
+            <a:spLocks noGrp="1"/>
+          </p:cNvSpPr>
+          <p:nvPr>
+            <p:ph type="dt" idx="1"/>
+          </p:nvPr>
+        </p:nvSpPr>
+        <p:spPr/>
+        <p:txBody>
+          <a:bodyPr/>
+          <a:lstStyle/>
+          <a:p>
+            <a:pPr rtl="0"/>
+            <a:fld id="{79368516-3842-4620-B9B3-67F535CB3A5D}" type="datetime1">
+              <a:rPr lang="hu-HU" smtClean="0"/>
+              <a:t>2020. 11. 10.</a:t>
+            </a:fld>
+            <a:endParaRPr lang="en-US"/>
+          </a:p>
+        </p:txBody>
+      </p:sp>
+      <p:sp>
+        <p:nvSpPr>
+          <p:cNvPr id="5" name="Dia számának helye 4"/>
+          <p:cNvSpPr>
+            <a:spLocks noGrp="1"/>
+          </p:cNvSpPr>
+          <p:nvPr>
+            <p:ph type="sldNum" sz="quarter" idx="5"/>
+          </p:nvPr>
+        </p:nvSpPr>
+        <p:spPr/>
+        <p:txBody>
+          <a:bodyPr/>
+          <a:lstStyle/>
+          <a:p>
+            <a:pPr rtl="0"/>
+            <a:fld id="{37A705E3-E620-489D-9973-6221209A4B3B}" type="slidenum">
+              <a:rPr lang="en-US" smtClean="0"/>
+              <a:t>3</a:t>
+            </a:fld>
+            <a:endParaRPr lang="en-US"/>
+          </a:p>
+        </p:txBody>
+      </p:sp>
+    </p:spTree>
+    <p:extLst>
+      <p:ext uri="{BB962C8B-B14F-4D97-AF65-F5344CB8AC3E}">
+        <p14:creationId xmlns:p14="http://schemas.microsoft.com/office/powerpoint/2010/main" val="2863471054"/>
+      </p:ext>
+    </p:extLst>
+  </p:cSld>
+  <p:clrMapOvr>
+    <a:masterClrMapping/>
+  </p:clrMapOvr>
+</p:notes>
+</file>
+
+<file path=ppt/notesSlides/notesSlide2.xml><?xml version="1.0" encoding="utf-8"?>
+<p:notes xmlns:a="http://schemas.openxmlformats.org/drawingml/2006/main" xmlns:r="http://schemas.openxmlformats.org/officeDocument/2006/relationships" xmlns:p="http://schemas.openxmlformats.org/presentationml/2006/main">
+  <p:cSld>
+    <p:spTree>
+      <p:nvGrpSpPr>
+        <p:cNvPr id="1" name=""/>
+        <p:cNvGrpSpPr/>
+        <p:nvPr/>
+      </p:nvGrpSpPr>
+      <p:grpSpPr>
+        <a:xfrm>
+          <a:off x="0" y="0"/>
+          <a:ext cx="0" cy="0"/>
+          <a:chOff x="0" y="0"/>
+          <a:chExt cx="0" cy="0"/>
+        </a:xfrm>
+      </p:grpSpPr>
+      <p:sp>
+        <p:nvSpPr>
+          <p:cNvPr id="2" name="Diakép helye 1"/>
+          <p:cNvSpPr>
+            <a:spLocks noGrp="1" noRot="1" noChangeAspect="1"/>
+          </p:cNvSpPr>
+          <p:nvPr>
+            <p:ph type="sldImg"/>
+          </p:nvPr>
+        </p:nvSpPr>
+        <p:spPr/>
+      </p:sp>
+      <p:sp>
+        <p:nvSpPr>
+          <p:cNvPr id="3" name="Jegyzetek helye 2"/>
+          <p:cNvSpPr>
+            <a:spLocks noGrp="1"/>
+          </p:cNvSpPr>
+          <p:nvPr>
+            <p:ph type="body" idx="1"/>
+          </p:nvPr>
+        </p:nvSpPr>
+        <p:spPr/>
+        <p:txBody>
+          <a:bodyPr/>
+          <a:lstStyle/>
+          <a:p>
+            <a:pPr marL="0" indent="0">
+              <a:buNone/>
+            </a:pPr>
+            <a:endParaRPr lang="hu-HU" dirty="0"/>
+          </a:p>
+        </p:txBody>
+      </p:sp>
+      <p:sp>
+        <p:nvSpPr>
+          <p:cNvPr id="4" name="Dátum helye 3"/>
+          <p:cNvSpPr>
+            <a:spLocks noGrp="1"/>
+          </p:cNvSpPr>
+          <p:nvPr>
+            <p:ph type="dt" idx="1"/>
+          </p:nvPr>
+        </p:nvSpPr>
+        <p:spPr/>
+        <p:txBody>
+          <a:bodyPr/>
+          <a:lstStyle/>
+          <a:p>
+            <a:pPr rtl="0"/>
+            <a:fld id="{79368516-3842-4620-B9B3-67F535CB3A5D}" type="datetime1">
+              <a:rPr lang="hu-HU" smtClean="0"/>
+              <a:t>2020. 11. 10.</a:t>
+            </a:fld>
+            <a:endParaRPr lang="en-US"/>
+          </a:p>
+        </p:txBody>
+      </p:sp>
+      <p:sp>
+        <p:nvSpPr>
+          <p:cNvPr id="5" name="Dia számának helye 4"/>
+          <p:cNvSpPr>
+            <a:spLocks noGrp="1"/>
+          </p:cNvSpPr>
+          <p:nvPr>
+            <p:ph type="sldNum" sz="quarter" idx="5"/>
+          </p:nvPr>
+        </p:nvSpPr>
+        <p:spPr/>
+        <p:txBody>
+          <a:bodyPr/>
+          <a:lstStyle/>
+          <a:p>
+            <a:pPr rtl="0"/>
+            <a:fld id="{37A705E3-E620-489D-9973-6221209A4B3B}" type="slidenum">
+              <a:rPr lang="en-US" smtClean="0"/>
+              <a:t>4</a:t>
+            </a:fld>
+            <a:endParaRPr lang="en-US"/>
+          </a:p>
+        </p:txBody>
+      </p:sp>
+    </p:spTree>
+    <p:extLst>
+      <p:ext uri="{BB962C8B-B14F-4D97-AF65-F5344CB8AC3E}">
+        <p14:creationId xmlns:p14="http://schemas.microsoft.com/office/powerpoint/2010/main" val="3138779723"/>
+      </p:ext>
+    </p:extLst>
+  </p:cSld>
+  <p:clrMapOvr>
+    <a:masterClrMapping/>
+  </p:clrMapOvr>
+</p:notes>
 </file>
 
 <file path=ppt/slideLayouts/slideLayout1.xml><?xml version="1.0" encoding="utf-8"?>
@@ -1129,7 +1391,7 @@
             <a:pPr rtl="0"/>
             <a:fld id="{E8BDBE0D-D7BD-4B72-8656-1BA1EE15204D}" type="datetime1">
               <a:rPr lang="hu-HU" smtClean="0"/>
-              <a:t>2020. 11. 09.</a:t>
+              <a:t>2020. 11. 10.</a:t>
             </a:fld>
             <a:endParaRPr lang="en-US" dirty="0"/>
           </a:p>
@@ -1335,7 +1597,7 @@
             <a:pPr rtl="0"/>
             <a:fld id="{18164A21-2A73-421C-B26A-59E41BBEFBEB}" type="datetime1">
               <a:rPr lang="hu-HU" smtClean="0"/>
-              <a:t>2020. 11. 09.</a:t>
+              <a:t>2020. 11. 10.</a:t>
             </a:fld>
             <a:endParaRPr lang="en-US"/>
           </a:p>
@@ -1519,7 +1781,7 @@
             <a:pPr rtl="0"/>
             <a:fld id="{C27CBEE9-063A-466D-A69B-CD20FA75015F}" type="datetime1">
               <a:rPr lang="hu-HU" smtClean="0"/>
-              <a:t>2020. 11. 09.</a:t>
+              <a:t>2020. 11. 10.</a:t>
             </a:fld>
             <a:endParaRPr lang="en-US"/>
           </a:p>
@@ -1693,7 +1955,7 @@
             <a:pPr rtl="0"/>
             <a:fld id="{7B7A52B9-A8AB-438E-B534-4C40C3A9E74F}" type="datetime1">
               <a:rPr lang="hu-HU" smtClean="0"/>
-              <a:t>2020. 11. 09.</a:t>
+              <a:t>2020. 11. 10.</a:t>
             </a:fld>
             <a:endParaRPr lang="en-US"/>
           </a:p>
@@ -2296,7 +2558,7 @@
             <a:pPr rtl="0"/>
             <a:fld id="{F11F62F7-5E21-4DF6-AD45-F2360C22BAAE}" type="datetime1">
               <a:rPr lang="hu-HU" smtClean="0"/>
-              <a:t>2020. 11. 09.</a:t>
+              <a:t>2020. 11. 10.</a:t>
             </a:fld>
             <a:endParaRPr lang="en-US" dirty="0"/>
           </a:p>
@@ -2620,7 +2882,7 @@
             <a:pPr rtl="0"/>
             <a:fld id="{C1AD0CF7-F942-4A78-BD5B-565FEA1F0330}" type="datetime1">
               <a:rPr lang="hu-HU" smtClean="0"/>
-              <a:t>2020. 11. 09.</a:t>
+              <a:t>2020. 11. 10.</a:t>
             </a:fld>
             <a:endParaRPr lang="en-US"/>
           </a:p>
@@ -3061,7 +3323,7 @@
             <a:pPr rtl="0"/>
             <a:fld id="{52B1E64E-AF4C-4D8A-B1A2-6376454CC97D}" type="datetime1">
               <a:rPr lang="hu-HU" smtClean="0"/>
-              <a:t>2020. 11. 09.</a:t>
+              <a:t>2020. 11. 10.</a:t>
             </a:fld>
             <a:endParaRPr lang="en-US"/>
           </a:p>
@@ -3183,7 +3445,7 @@
             <a:pPr rtl="0"/>
             <a:fld id="{AD377358-1C37-4F07-9A78-BAC0F950DA57}" type="datetime1">
               <a:rPr lang="hu-HU" smtClean="0"/>
-              <a:t>2020. 11. 09.</a:t>
+              <a:t>2020. 11. 10.</a:t>
             </a:fld>
             <a:endParaRPr lang="en-US"/>
           </a:p>
@@ -3281,7 +3543,7 @@
             <a:pPr rtl="0"/>
             <a:fld id="{7FCB3493-9A23-4FBB-AEE0-C0E6D5F3648B}" type="datetime1">
               <a:rPr lang="hu-HU" smtClean="0"/>
-              <a:t>2020. 11. 09.</a:t>
+              <a:t>2020. 11. 10.</a:t>
             </a:fld>
             <a:endParaRPr lang="en-US"/>
           </a:p>
@@ -3702,7 +3964,7 @@
             <a:pPr rtl="0"/>
             <a:fld id="{C45F6E80-D825-48C2-9648-1D1B31372F92}" type="datetime1">
               <a:rPr lang="hu-HU" smtClean="0"/>
-              <a:t>2020. 11. 09.</a:t>
+              <a:t>2020. 11. 10.</a:t>
             </a:fld>
             <a:endParaRPr lang="en-US"/>
           </a:p>
@@ -3967,7 +4229,7 @@
             <a:pPr rtl="0"/>
             <a:fld id="{8977A4C8-8FD0-44EA-A473-E0338D05B7ED}" type="datetime1">
               <a:rPr lang="hu-HU" smtClean="0"/>
-              <a:t>2020. 11. 09.</a:t>
+              <a:t>2020. 11. 10.</a:t>
             </a:fld>
             <a:endParaRPr lang="en-US" dirty="0"/>
           </a:p>
@@ -4487,7 +4749,7 @@
             <a:pPr rtl="0"/>
             <a:fld id="{10150E88-5DA4-48FE-971C-3A8E0386704F}" type="datetime1">
               <a:rPr lang="hu-HU" smtClean="0"/>
-              <a:t>2020. 11. 09.</a:t>
+              <a:t>2020. 11. 10.</a:t>
             </a:fld>
             <a:endParaRPr lang="en-US" dirty="0"/>
           </a:p>
@@ -5522,11 +5784,72 @@
           <a:lstStyle/>
           <a:p>
             <a:pPr rtl="0"/>
-            <a:fld id="{E8BDBE0D-D7BD-4B72-8656-1BA1EE15204D}" type="datetime1">
-              <a:rPr lang="hu-HU" smtClean="0"/>
-              <a:t>2020. 11. 09.</a:t>
-            </a:fld>
+            <a:r>
+              <a:rPr lang="hu-HU" dirty="0"/>
+              <a:t>2020.11.30.</a:t>
+            </a:r>
             <a:endParaRPr lang="en-US" dirty="0"/>
+          </a:p>
+        </p:txBody>
+      </p:sp>
+      <p:sp>
+        <p:nvSpPr>
+          <p:cNvPr id="5" name="Cím 1">
+            <a:extLst>
+              <a:ext uri="{FF2B5EF4-FFF2-40B4-BE49-F238E27FC236}">
+                <a16:creationId xmlns:a16="http://schemas.microsoft.com/office/drawing/2014/main" id="{FC430C9B-29C5-43CC-B588-1681123EB63A}"/>
+              </a:ext>
+            </a:extLst>
+          </p:cNvPr>
+          <p:cNvSpPr txBox="1">
+            <a:spLocks/>
+          </p:cNvSpPr>
+          <p:nvPr/>
+        </p:nvSpPr>
+        <p:spPr>
+          <a:xfrm>
+            <a:off x="1629101" y="4618138"/>
+            <a:ext cx="8933795" cy="963903"/>
+          </a:xfrm>
+          <a:prstGeom prst="rect">
+            <a:avLst/>
+          </a:prstGeom>
+        </p:spPr>
+        <p:txBody>
+          <a:bodyPr vert="horz" lIns="91440" tIns="45720" rIns="91440" bIns="45720" rtlCol="0" anchor="ctr">
+            <a:noAutofit/>
+          </a:bodyPr>
+          <a:lstStyle>
+            <a:lvl1pPr algn="ctr" defTabSz="914400" rtl="0" eaLnBrk="1" latinLnBrk="0" hangingPunct="1">
+              <a:lnSpc>
+                <a:spcPct val="83000"/>
+              </a:lnSpc>
+              <a:spcBef>
+                <a:spcPct val="0"/>
+              </a:spcBef>
+              <a:buNone/>
+              <a:defRPr lang="en-US" sz="6000" b="0" i="0" kern="1200" cap="all" spc="-100" baseline="0" dirty="0">
+                <a:solidFill>
+                  <a:schemeClr val="tx1">
+                    <a:lumMod val="85000"/>
+                    <a:lumOff val="15000"/>
+                  </a:schemeClr>
+                </a:solidFill>
+                <a:effectLst/>
+                <a:latin typeface="+mj-lt"/>
+                <a:ea typeface="+mn-ea"/>
+                <a:cs typeface="+mn-cs"/>
+              </a:defRPr>
+            </a:lvl1pPr>
+          </a:lstStyle>
+          <a:p>
+            <a:r>
+              <a:rPr lang="hu-HU" sz="1600" dirty="0">
+                <a:hlinkClick r:id="rId2"/>
+              </a:rPr>
+              <a:t>https://github.com/whoiszorz/facedetectionandrecognition</a:t>
+            </a:r>
+            <a:endParaRPr lang="hu-HU" sz="1600" dirty="0"/>
           </a:p>
         </p:txBody>
       </p:sp>
@@ -5546,14 +5869,6 @@
 <file path=ppt/slides/slide2.xml><?xml version="1.0" encoding="utf-8"?>
 <p:sld xmlns:a="http://schemas.openxmlformats.org/drawingml/2006/main" xmlns:r="http://schemas.openxmlformats.org/officeDocument/2006/relationships" xmlns:p="http://schemas.openxmlformats.org/presentationml/2006/main">
   <p:cSld>
-    <p:bg>
-      <p:bgPr>
-        <a:solidFill>
-          <a:schemeClr val="bg1"/>
-        </a:solidFill>
-        <a:effectLst/>
-      </p:bgPr>
-    </p:bg>
     <p:spTree>
       <p:nvGrpSpPr>
         <p:cNvPr id="1" name=""/>
@@ -5598,8 +5913,8 @@
           <a:p>
             <a:pPr algn="ctr" rtl="0"/>
             <a:r>
-              <a:rPr lang="hu" sz="3200" dirty="0"/>
-              <a:t>Probléma</a:t>
+              <a:rPr lang="hu" dirty="0"/>
+              <a:t>Célkitűzés</a:t>
             </a:r>
           </a:p>
         </p:txBody>
@@ -5630,14 +5945,39 @@
           <a:bodyPr/>
           <a:lstStyle/>
           <a:p>
-            <a:endParaRPr lang="hu-HU" dirty="0"/>
+            <a:pPr algn="just"/>
+            <a:r>
+              <a:rPr lang="hu-HU" sz="2300" dirty="0"/>
+              <a:t>Olyan alkalmazás elkészítése, mely nem csak arcok detektálására, hanem azok felismerésére is alkalmas (a betanítást követően)</a:t>
+            </a:r>
+          </a:p>
+          <a:p>
+            <a:pPr algn="just"/>
+            <a:r>
+              <a:rPr lang="hu-HU" sz="2300" dirty="0"/>
+              <a:t>Képes legyen a kameraképen megjelenő összes arc detektálására, illetve a képen lévő emberek létszámának kiírására</a:t>
+            </a:r>
+          </a:p>
+          <a:p>
+            <a:pPr algn="just"/>
+            <a:r>
+              <a:rPr lang="hu-HU" sz="2300" dirty="0"/>
+              <a:t>A betanítás kezdőlépése legyen az arc detektálása, majd arról azonos méretben 10 kép elkészítése, mentése egy tanító mappába</a:t>
+            </a:r>
+          </a:p>
+          <a:p>
+            <a:pPr algn="just"/>
+            <a:r>
+              <a:rPr lang="hu-HU" sz="2300" dirty="0"/>
+              <a:t>Amennyiben egy arc be lett tanítva, a felismerést bizonyítva jelenítse meg a kameraképen a hozzá tartozó sorszámot is</a:t>
+            </a:r>
           </a:p>
         </p:txBody>
       </p:sp>
     </p:spTree>
     <p:extLst>
       <p:ext uri="{BB962C8B-B14F-4D97-AF65-F5344CB8AC3E}">
-        <p14:creationId xmlns:p14="http://schemas.microsoft.com/office/powerpoint/2010/main" val="183243182"/>
+        <p14:creationId xmlns:p14="http://schemas.microsoft.com/office/powerpoint/2010/main" val="45392103"/>
       </p:ext>
     </p:extLst>
   </p:cSld>
@@ -5694,8 +6034,8 @@
           <a:p>
             <a:pPr algn="ctr" rtl="0"/>
             <a:r>
-              <a:rPr lang="hu" sz="3200" dirty="0"/>
-              <a:t>Célkitűzés</a:t>
+              <a:rPr lang="hu" dirty="0"/>
+              <a:t>Irodalom</a:t>
             </a:r>
           </a:p>
         </p:txBody>
@@ -5723,17 +6063,48 @@
           </a:xfrm>
         </p:spPr>
         <p:txBody>
-          <a:bodyPr/>
+          <a:bodyPr>
+            <a:normAutofit/>
+          </a:bodyPr>
           <a:lstStyle/>
           <a:p>
-            <a:endParaRPr lang="hu-HU" dirty="0"/>
+            <a:r>
+              <a:rPr lang="hu-HU" sz="2300" dirty="0"/>
+              <a:t>Arcfelismerő rendszer: olyan számítógépes rendszer, mely automatikusan azonosítja, vagy ellenőrzi egy személy azonosságát egy digitális kép felhasználásával</a:t>
+            </a:r>
+          </a:p>
+          <a:p>
+            <a:r>
+              <a:rPr lang="hu-HU" sz="2300" dirty="0"/>
+              <a:t>Arcdetektálás során az alkalmazás megkeresi a képen az emberi arcokat és kivágja a területet azonosítás céljából</a:t>
+            </a:r>
+          </a:p>
+          <a:p>
+            <a:r>
+              <a:rPr lang="hu-HU" sz="2300" dirty="0"/>
+              <a:t>Leggyakoribb arcdetektáló módszerek: komponens-alapú, ellipszisillesztés és szegmentálás bőrszín alapján</a:t>
+            </a:r>
+          </a:p>
+          <a:p>
+            <a:r>
+              <a:rPr lang="hu-HU" sz="2300" dirty="0"/>
+              <a:t>Leggyakoribb arcfelismerő módszerek: sablonillesztés, neurális hálók, </a:t>
+            </a:r>
+            <a:r>
+              <a:rPr lang="hu-HU" sz="2300" dirty="0" err="1"/>
+              <a:t>Eigenface</a:t>
+            </a:r>
+            <a:endParaRPr lang="hu-HU" sz="2300" dirty="0"/>
+          </a:p>
+          <a:p>
+            <a:endParaRPr lang="hu-HU" sz="2300" dirty="0"/>
           </a:p>
         </p:txBody>
       </p:sp>
     </p:spTree>
     <p:extLst>
       <p:ext uri="{BB962C8B-B14F-4D97-AF65-F5344CB8AC3E}">
-        <p14:creationId xmlns:p14="http://schemas.microsoft.com/office/powerpoint/2010/main" val="45392103"/>
+        <p14:creationId xmlns:p14="http://schemas.microsoft.com/office/powerpoint/2010/main" val="955354433"/>
       </p:ext>
     </p:extLst>
   </p:cSld>
@@ -5790,7 +6161,7 @@
           <a:p>
             <a:pPr algn="ctr" rtl="0"/>
             <a:r>
-              <a:rPr lang="hu" sz="3200" dirty="0"/>
+              <a:rPr lang="hu" dirty="0"/>
               <a:t>Irodalom</a:t>
             </a:r>
           </a:p>
@@ -5819,17 +6190,59 @@
           </a:xfrm>
         </p:spPr>
         <p:txBody>
-          <a:bodyPr/>
+          <a:bodyPr>
+            <a:normAutofit/>
+          </a:bodyPr>
           <a:lstStyle/>
           <a:p>
-            <a:endParaRPr lang="hu-HU" dirty="0"/>
+            <a:r>
+              <a:rPr lang="hu-HU" sz="2300" dirty="0" err="1"/>
+              <a:t>Eigenface</a:t>
+            </a:r>
+            <a:r>
+              <a:rPr lang="hu-HU" sz="2300" dirty="0"/>
+              <a:t>-módszer: az arc képét egy olyan vektor reprezentálja, amelyet sajátarcnak nevezett sajátvektorral kell definiálni</a:t>
+            </a:r>
+          </a:p>
+          <a:p>
+            <a:r>
+              <a:rPr lang="hu-HU" sz="2300" dirty="0"/>
+              <a:t>Szürkeárnyalatos képeket tud csak feldolgozni, tehát a színes kameraképeket át kell alakítani</a:t>
+            </a:r>
+          </a:p>
+          <a:p>
+            <a:r>
+              <a:rPr lang="hu-HU" sz="2300" dirty="0"/>
+              <a:t>A képekhez oszlopvektorok fognak tartozni, melyek a szürkeárnyalat értékeket tartalmazzák</a:t>
+            </a:r>
+          </a:p>
+          <a:p>
+            <a:r>
+              <a:rPr lang="hu-HU" sz="2300" dirty="0"/>
+              <a:t>A beolvasott képek átlaga az átlagarc, az ún. arctér pedig az arcok közötti eltéréseket fejezi ki</a:t>
+            </a:r>
+          </a:p>
+          <a:p>
+            <a:r>
+              <a:rPr lang="hu-HU" sz="2300" dirty="0"/>
+              <a:t>A keresett arcból kivonjuk az átlagarcot, majd rávetítjük az arctérre, az a kép hasonlít a legjobban a keresett arcra, amelyikre a legkisebb a távolság</a:t>
+            </a:r>
+          </a:p>
+          <a:p>
+            <a:endParaRPr lang="hu-HU" sz="2300" dirty="0"/>
+          </a:p>
+          <a:p>
+            <a:endParaRPr lang="hu-HU" sz="2300" dirty="0"/>
+          </a:p>
+          <a:p>
+            <a:endParaRPr lang="hu-HU" sz="2300" dirty="0"/>
           </a:p>
         </p:txBody>
       </p:sp>
     </p:spTree>
     <p:extLst>
       <p:ext uri="{BB962C8B-B14F-4D97-AF65-F5344CB8AC3E}">
-        <p14:creationId xmlns:p14="http://schemas.microsoft.com/office/powerpoint/2010/main" val="955354433"/>
+        <p14:creationId xmlns:p14="http://schemas.microsoft.com/office/powerpoint/2010/main" val="3808267049"/>
       </p:ext>
     </p:extLst>
   </p:cSld>
@@ -5886,8 +6299,8 @@
           <a:p>
             <a:pPr algn="ctr" rtl="0"/>
             <a:r>
-              <a:rPr lang="hu" sz="3200" dirty="0"/>
-              <a:t>Felhasznált anyagok</a:t>
+              <a:rPr lang="hu" dirty="0"/>
+              <a:t>Felhasznált eszközök</a:t>
             </a:r>
           </a:p>
         </p:txBody>
@@ -5915,10 +6328,195 @@
           </a:xfrm>
         </p:spPr>
         <p:txBody>
-          <a:bodyPr/>
+          <a:bodyPr>
+            <a:normAutofit/>
+          </a:bodyPr>
           <a:lstStyle/>
           <a:p>
-            <a:endParaRPr lang="hu-HU" dirty="0"/>
+            <a:r>
+              <a:rPr lang="hu-HU" sz="2300" dirty="0"/>
+              <a:t>Környezet: Visual </a:t>
+            </a:r>
+            <a:r>
+              <a:rPr lang="hu-HU" sz="2300" dirty="0" err="1"/>
+              <a:t>Studio</a:t>
+            </a:r>
+            <a:r>
+              <a:rPr lang="hu-HU" sz="2300" dirty="0"/>
+              <a:t> 2019 </a:t>
+            </a:r>
+          </a:p>
+          <a:p>
+            <a:r>
+              <a:rPr lang="hu-HU" sz="2300" dirty="0"/>
+              <a:t>Nyelv: C++</a:t>
+            </a:r>
+          </a:p>
+          <a:p>
+            <a:r>
+              <a:rPr lang="hu-HU" sz="2300" dirty="0"/>
+              <a:t>Könyvtár: </a:t>
+            </a:r>
+            <a:r>
+              <a:rPr lang="hu-HU" sz="2300" dirty="0" err="1"/>
+              <a:t>OpenCV</a:t>
+            </a:r>
+            <a:r>
+              <a:rPr lang="hu-HU" sz="2300" dirty="0"/>
+              <a:t> 4.5</a:t>
+            </a:r>
+          </a:p>
+          <a:p>
+            <a:r>
+              <a:rPr lang="hu-HU" sz="2300" dirty="0" err="1"/>
+              <a:t>OpenCV</a:t>
+            </a:r>
+            <a:r>
+              <a:rPr lang="hu-HU" sz="2300" dirty="0"/>
+              <a:t> modulok: </a:t>
+            </a:r>
+            <a:r>
+              <a:rPr lang="hu-HU" sz="2300" dirty="0" err="1"/>
+              <a:t>core</a:t>
+            </a:r>
+            <a:r>
+              <a:rPr lang="hu-HU" sz="2300" dirty="0"/>
+              <a:t>, </a:t>
+            </a:r>
+            <a:r>
+              <a:rPr lang="hu-HU" sz="2300" dirty="0" err="1"/>
+              <a:t>highgui</a:t>
+            </a:r>
+            <a:r>
+              <a:rPr lang="hu-HU" sz="2300" dirty="0"/>
+              <a:t>, </a:t>
+            </a:r>
+            <a:r>
+              <a:rPr lang="hu-HU" sz="2300" dirty="0" err="1"/>
+              <a:t>imgproc</a:t>
+            </a:r>
+            <a:r>
+              <a:rPr lang="hu-HU" sz="2300" dirty="0"/>
+              <a:t>, </a:t>
+            </a:r>
+            <a:r>
+              <a:rPr lang="hu-HU" sz="2300" dirty="0" err="1"/>
+              <a:t>objdetect</a:t>
+            </a:r>
+            <a:r>
+              <a:rPr lang="hu-HU" sz="2300" dirty="0"/>
+              <a:t>, </a:t>
+            </a:r>
+            <a:r>
+              <a:rPr lang="hu-HU" sz="2300" dirty="0" err="1"/>
+              <a:t>face</a:t>
+            </a:r>
+            <a:endParaRPr lang="hu-HU" sz="2300" dirty="0"/>
+          </a:p>
+          <a:p>
+            <a:r>
+              <a:rPr lang="hu-HU" sz="2300" dirty="0"/>
+              <a:t>Detektáláshoz használt algoritmus: </a:t>
+            </a:r>
+            <a:r>
+              <a:rPr lang="hu-HU" sz="2300" dirty="0" err="1"/>
+              <a:t>Haar</a:t>
+            </a:r>
+            <a:r>
+              <a:rPr lang="hu-HU" sz="2300" dirty="0"/>
+              <a:t> </a:t>
+            </a:r>
+            <a:r>
+              <a:rPr lang="hu-HU" sz="2300" dirty="0" err="1"/>
+              <a:t>Cascade</a:t>
+            </a:r>
+            <a:br>
+              <a:rPr lang="hu-HU" sz="2300" dirty="0"/>
+            </a:br>
+            <a:r>
+              <a:rPr lang="hu-HU" sz="2300" dirty="0"/>
+              <a:t>(cv::</a:t>
+            </a:r>
+            <a:r>
+              <a:rPr lang="hu-HU" sz="2300" dirty="0" err="1"/>
+              <a:t>CascadeClassifier</a:t>
+            </a:r>
+            <a:r>
+              <a:rPr lang="hu-HU" sz="2300" dirty="0"/>
+              <a:t> osztály)</a:t>
+            </a:r>
+          </a:p>
+          <a:p>
+            <a:r>
+              <a:rPr lang="hu-HU" sz="2300" dirty="0"/>
+              <a:t>Betanításhoz használt algoritmus: </a:t>
+            </a:r>
+            <a:r>
+              <a:rPr lang="hu-HU" sz="2300" dirty="0" err="1"/>
+              <a:t>Eigenfaces</a:t>
+            </a:r>
+            <a:br>
+              <a:rPr lang="hu-HU" sz="2300" dirty="0"/>
+            </a:br>
+            <a:r>
+              <a:rPr lang="hu-HU" sz="2300" dirty="0"/>
+              <a:t>(cv::</a:t>
+            </a:r>
+            <a:r>
+              <a:rPr lang="hu-HU" sz="2300" dirty="0" err="1"/>
+              <a:t>face</a:t>
+            </a:r>
+            <a:r>
+              <a:rPr lang="hu-HU" sz="2300" dirty="0"/>
+              <a:t>::</a:t>
+            </a:r>
+            <a:r>
+              <a:rPr lang="hu-HU" sz="2300" dirty="0" err="1"/>
+              <a:t>EigenFaceRecognizer</a:t>
+            </a:r>
+            <a:r>
+              <a:rPr lang="hu-HU" sz="2300" dirty="0"/>
+              <a:t> osztály)</a:t>
+            </a:r>
+          </a:p>
+          <a:p>
+            <a:r>
+              <a:rPr lang="hu-HU" sz="2300" dirty="0"/>
+              <a:t>Felismeréshez használt algoritmus: </a:t>
+            </a:r>
+            <a:r>
+              <a:rPr lang="hu-HU" sz="2300" dirty="0" err="1"/>
+              <a:t>Fisherfaces</a:t>
+            </a:r>
+            <a:br>
+              <a:rPr lang="hu-HU" sz="2300" dirty="0"/>
+            </a:br>
+            <a:r>
+              <a:rPr lang="hu-HU" sz="2300" dirty="0"/>
+              <a:t>(cv::</a:t>
+            </a:r>
+            <a:r>
+              <a:rPr lang="hu-HU" sz="2300" dirty="0" err="1"/>
+              <a:t>face</a:t>
+            </a:r>
+            <a:r>
+              <a:rPr lang="hu-HU" sz="2300" dirty="0"/>
+              <a:t>::</a:t>
+            </a:r>
+            <a:r>
+              <a:rPr lang="hu-HU" sz="2300" dirty="0" err="1"/>
+              <a:t>FisherFaceRecognizer</a:t>
+            </a:r>
+            <a:r>
+              <a:rPr lang="hu-HU" sz="2300" dirty="0"/>
+              <a:t> osztály)</a:t>
+            </a:r>
+          </a:p>
+          <a:p>
+            <a:endParaRPr lang="hu-HU" sz="2300" dirty="0"/>
+          </a:p>
+          <a:p>
+            <a:endParaRPr lang="hu-HU" sz="2300" dirty="0"/>
           </a:p>
         </p:txBody>
       </p:sp>
@@ -5982,7 +6580,7 @@
           <a:p>
             <a:pPr algn="ctr" rtl="0"/>
             <a:r>
-              <a:rPr lang="hu" sz="3200" dirty="0"/>
+              <a:rPr lang="hu" dirty="0"/>
               <a:t>Felvételek</a:t>
             </a:r>
           </a:p>
@@ -6014,10 +6612,265 @@
           <a:bodyPr/>
           <a:lstStyle/>
           <a:p>
-            <a:endParaRPr lang="hu-HU" dirty="0"/>
-          </a:p>
-        </p:txBody>
-      </p:sp>
+            <a:pPr marL="0" indent="0">
+              <a:buNone/>
+            </a:pPr>
+            <a:r>
+              <a:rPr lang="hu-HU" sz="2300" dirty="0"/>
+              <a:t>Tesztképek: </a:t>
+            </a:r>
+          </a:p>
+          <a:p>
+            <a:r>
+              <a:rPr lang="hu-HU" sz="2300" dirty="0"/>
+              <a:t>NVIDIA Research </a:t>
+            </a:r>
+            <a:r>
+              <a:rPr lang="hu-HU" sz="2300" dirty="0" err="1"/>
+              <a:t>Projects</a:t>
+            </a:r>
+            <a:r>
+              <a:rPr lang="hu-HU" sz="2300" dirty="0"/>
+              <a:t>: </a:t>
+            </a:r>
+            <a:r>
+              <a:rPr lang="hu-HU" sz="2300" dirty="0" err="1"/>
+              <a:t>Flickr</a:t>
+            </a:r>
+            <a:r>
+              <a:rPr lang="hu-HU" sz="2300" dirty="0"/>
+              <a:t>-</a:t>
+            </a:r>
+            <a:r>
+              <a:rPr lang="hu-HU" sz="2300" dirty="0" err="1"/>
+              <a:t>Faces</a:t>
+            </a:r>
+            <a:r>
+              <a:rPr lang="hu-HU" sz="2300" dirty="0"/>
+              <a:t>-HQ </a:t>
+            </a:r>
+            <a:r>
+              <a:rPr lang="hu-HU" sz="2300" dirty="0" err="1"/>
+              <a:t>Dataset</a:t>
+            </a:r>
+            <a:r>
+              <a:rPr lang="hu-HU" sz="2300" dirty="0"/>
+              <a:t> </a:t>
+            </a:r>
+            <a:r>
+              <a:rPr lang="hu-HU" sz="2300" dirty="0" err="1"/>
+              <a:t>thumbnail</a:t>
+            </a:r>
+            <a:r>
+              <a:rPr lang="hu-HU" sz="2300" dirty="0"/>
+              <a:t> fotói</a:t>
+            </a:r>
+            <a:br>
+              <a:rPr lang="hu-HU" sz="2300" dirty="0"/>
+            </a:br>
+            <a:r>
+              <a:rPr lang="hu-HU" sz="2300" dirty="0"/>
+              <a:t>128x128 pixel, 120 </a:t>
+            </a:r>
+            <a:r>
+              <a:rPr lang="hu-HU" sz="2300" dirty="0" err="1"/>
+              <a:t>dpi</a:t>
+            </a:r>
+            <a:r>
+              <a:rPr lang="hu-HU" sz="2300" dirty="0"/>
+              <a:t>, PNG formátum (átkonvertálva 96 </a:t>
+            </a:r>
+            <a:r>
+              <a:rPr lang="hu-HU" sz="2300" dirty="0" err="1"/>
+              <a:t>dpi</a:t>
+            </a:r>
+            <a:r>
+              <a:rPr lang="hu-HU" sz="2300" dirty="0"/>
+              <a:t> JPG-re)</a:t>
+            </a:r>
+          </a:p>
+          <a:p>
+            <a:endParaRPr lang="hu-HU" sz="2300" dirty="0"/>
+          </a:p>
+          <a:p>
+            <a:endParaRPr lang="hu-HU" sz="2300" dirty="0"/>
+          </a:p>
+          <a:p>
+            <a:pPr marL="0" indent="0">
+              <a:buNone/>
+            </a:pPr>
+            <a:r>
+              <a:rPr lang="hu-HU" sz="2300" dirty="0"/>
+              <a:t>Ezek alapján:</a:t>
+            </a:r>
+          </a:p>
+          <a:p>
+            <a:r>
+              <a:rPr lang="hu-HU" sz="2300" dirty="0"/>
+              <a:t>Lenovo Ideapad 520-15IKB laptop beépített webkamerája </a:t>
+            </a:r>
+            <a:br>
+              <a:rPr lang="hu-HU" sz="2300" dirty="0"/>
+            </a:br>
+            <a:r>
+              <a:rPr lang="hu-HU" sz="2300" dirty="0"/>
+              <a:t>128x128 pixel, 96 </a:t>
+            </a:r>
+            <a:r>
+              <a:rPr lang="hu-HU" sz="2300" dirty="0" err="1"/>
+              <a:t>dpi</a:t>
+            </a:r>
+            <a:r>
+              <a:rPr lang="hu-HU" sz="2300" dirty="0"/>
+              <a:t>, JPG formátum</a:t>
+            </a:r>
+          </a:p>
+        </p:txBody>
+      </p:sp>
+      <p:pic>
+        <p:nvPicPr>
+          <p:cNvPr id="5" name="Kép 4" descr="A képen személy, férfi, kültéri, mosolygó látható&#10;&#10;Automatikusan generált leírás">
+            <a:extLst>
+              <a:ext uri="{FF2B5EF4-FFF2-40B4-BE49-F238E27FC236}">
+                <a16:creationId xmlns:a16="http://schemas.microsoft.com/office/drawing/2014/main" id="{227B1C4A-D4AB-45DA-8AC6-9A0AB3D03E36}"/>
+              </a:ext>
+            </a:extLst>
+          </p:cNvPr>
+          <p:cNvPicPr>
+            <a:picLocks noChangeAspect="1"/>
+          </p:cNvPicPr>
+          <p:nvPr/>
+        </p:nvPicPr>
+        <p:blipFill>
+          <a:blip r:embed="rId2">
+            <a:extLst>
+              <a:ext uri="{28A0092B-C50C-407E-A947-70E740481C1C}">
+                <a14:useLocalDpi xmlns:a14="http://schemas.microsoft.com/office/drawing/2010/main" val="0"/>
+              </a:ext>
+            </a:extLst>
+          </a:blip>
+          <a:stretch>
+            <a:fillRect/>
+          </a:stretch>
+        </p:blipFill>
+        <p:spPr>
+          <a:xfrm>
+            <a:off x="6289249" y="2894816"/>
+            <a:ext cx="1080000" cy="1080000"/>
+          </a:xfrm>
+          <a:prstGeom prst="rect">
+            <a:avLst/>
+          </a:prstGeom>
+        </p:spPr>
+      </p:pic>
+      <p:pic>
+        <p:nvPicPr>
+          <p:cNvPr id="7" name="Kép 6" descr="A képen személy, férfi, nyakkendő, beltéri látható&#10;&#10;Automatikusan generált leírás">
+            <a:extLst>
+              <a:ext uri="{FF2B5EF4-FFF2-40B4-BE49-F238E27FC236}">
+                <a16:creationId xmlns:a16="http://schemas.microsoft.com/office/drawing/2014/main" id="{53F27B29-6C22-4CA3-B163-6F4674ADA8DE}"/>
+              </a:ext>
+            </a:extLst>
+          </p:cNvPr>
+          <p:cNvPicPr>
+            <a:picLocks noChangeAspect="1"/>
+          </p:cNvPicPr>
+          <p:nvPr/>
+        </p:nvPicPr>
+        <p:blipFill>
+          <a:blip r:embed="rId3">
+            <a:extLst>
+              <a:ext uri="{28A0092B-C50C-407E-A947-70E740481C1C}">
+                <a14:useLocalDpi xmlns:a14="http://schemas.microsoft.com/office/drawing/2010/main" val="0"/>
+              </a:ext>
+            </a:extLst>
+          </a:blip>
+          <a:stretch>
+            <a:fillRect/>
+          </a:stretch>
+        </p:blipFill>
+        <p:spPr>
+          <a:xfrm>
+            <a:off x="7692272" y="2894816"/>
+            <a:ext cx="1080000" cy="1080000"/>
+          </a:xfrm>
+          <a:prstGeom prst="rect">
+            <a:avLst/>
+          </a:prstGeom>
+        </p:spPr>
+      </p:pic>
+      <p:pic>
+        <p:nvPicPr>
+          <p:cNvPr id="9" name="Kép 8" descr="A képen személy, épület, nő, lány látható&#10;&#10;Automatikusan generált leírás">
+            <a:extLst>
+              <a:ext uri="{FF2B5EF4-FFF2-40B4-BE49-F238E27FC236}">
+                <a16:creationId xmlns:a16="http://schemas.microsoft.com/office/drawing/2014/main" id="{25BC35BB-B284-458B-8552-56FB44FEB661}"/>
+              </a:ext>
+            </a:extLst>
+          </p:cNvPr>
+          <p:cNvPicPr>
+            <a:picLocks noChangeAspect="1"/>
+          </p:cNvPicPr>
+          <p:nvPr/>
+        </p:nvPicPr>
+        <p:blipFill>
+          <a:blip r:embed="rId4">
+            <a:extLst>
+              <a:ext uri="{28A0092B-C50C-407E-A947-70E740481C1C}">
+                <a14:useLocalDpi xmlns:a14="http://schemas.microsoft.com/office/drawing/2010/main" val="0"/>
+              </a:ext>
+            </a:extLst>
+          </a:blip>
+          <a:stretch>
+            <a:fillRect/>
+          </a:stretch>
+        </p:blipFill>
+        <p:spPr>
+          <a:xfrm>
+            <a:off x="9095295" y="2894816"/>
+            <a:ext cx="1080000" cy="1080000"/>
+          </a:xfrm>
+          <a:prstGeom prst="rect">
+            <a:avLst/>
+          </a:prstGeom>
+        </p:spPr>
+      </p:pic>
+      <p:pic>
+        <p:nvPicPr>
+          <p:cNvPr id="11" name="Kép 10" descr="A képen személy, kültéri, nő, víz látható&#10;&#10;Automatikusan generált leírás">
+            <a:extLst>
+              <a:ext uri="{FF2B5EF4-FFF2-40B4-BE49-F238E27FC236}">
+                <a16:creationId xmlns:a16="http://schemas.microsoft.com/office/drawing/2014/main" id="{47CA98DC-67FC-438E-8E79-8AE7DCBB64F1}"/>
+              </a:ext>
+            </a:extLst>
+          </p:cNvPr>
+          <p:cNvPicPr>
+            <a:picLocks noChangeAspect="1"/>
+          </p:cNvPicPr>
+          <p:nvPr/>
+        </p:nvPicPr>
+        <p:blipFill>
+          <a:blip r:embed="rId5">
+            <a:extLst>
+              <a:ext uri="{28A0092B-C50C-407E-A947-70E740481C1C}">
+                <a14:useLocalDpi xmlns:a14="http://schemas.microsoft.com/office/drawing/2010/main" val="0"/>
+              </a:ext>
+            </a:extLst>
+          </a:blip>
+          <a:stretch>
+            <a:fillRect/>
+          </a:stretch>
+        </p:blipFill>
+        <p:spPr>
+          <a:xfrm>
+            <a:off x="10498318" y="2894816"/>
+            <a:ext cx="1080000" cy="1080000"/>
+          </a:xfrm>
+          <a:prstGeom prst="rect">
+            <a:avLst/>
+          </a:prstGeom>
+        </p:spPr>
+      </p:pic>
     </p:spTree>
     <p:extLst>
       <p:ext uri="{BB962C8B-B14F-4D97-AF65-F5344CB8AC3E}">
@@ -6078,7 +6931,7 @@
           <a:p>
             <a:pPr algn="ctr" rtl="0"/>
             <a:r>
-              <a:rPr lang="hu" sz="3200" dirty="0"/>
+              <a:rPr lang="hu" dirty="0"/>
               <a:t>Arcdetektálás</a:t>
             </a:r>
           </a:p>
@@ -6107,10 +6960,97 @@
           </a:xfrm>
         </p:spPr>
         <p:txBody>
-          <a:bodyPr/>
+          <a:bodyPr>
+            <a:normAutofit/>
+          </a:bodyPr>
           <a:lstStyle/>
           <a:p>
-            <a:endParaRPr lang="hu-HU" dirty="0"/>
+            <a:r>
+              <a:rPr lang="hu-HU" sz="2300" dirty="0"/>
+              <a:t>Sorszám megadása =&gt; </a:t>
+            </a:r>
+            <a:r>
+              <a:rPr lang="hu-HU" sz="2300" dirty="0" err="1"/>
+              <a:t>label</a:t>
+            </a:r>
+            <a:r>
+              <a:rPr lang="hu-HU" sz="2300" dirty="0"/>
+              <a:t> (címke)</a:t>
+            </a:r>
+          </a:p>
+          <a:p>
+            <a:r>
+              <a:rPr lang="hu-HU" sz="2300" dirty="0"/>
+              <a:t>Kamera élőképének lekérése (</a:t>
+            </a:r>
+            <a:r>
+              <a:rPr lang="hu-HU" sz="2300" dirty="0" err="1"/>
+              <a:t>VideoCapture</a:t>
+            </a:r>
+            <a:r>
+              <a:rPr lang="hu-HU" sz="2300" dirty="0"/>
+              <a:t>)</a:t>
+            </a:r>
+          </a:p>
+          <a:p>
+            <a:r>
+              <a:rPr lang="hu-HU" sz="2300" dirty="0"/>
+              <a:t>Kamerakép szürkeskálássá alakítása, hisztogramkiegyenlítés (</a:t>
+            </a:r>
+            <a:r>
+              <a:rPr lang="hu-HU" sz="2300" dirty="0" err="1"/>
+              <a:t>cvtColor</a:t>
+            </a:r>
+            <a:r>
+              <a:rPr lang="hu-HU" sz="2300" dirty="0"/>
+              <a:t>, </a:t>
+            </a:r>
+            <a:r>
+              <a:rPr lang="hu-HU" sz="2300" dirty="0" err="1"/>
+              <a:t>equalizeHist</a:t>
+            </a:r>
+            <a:r>
+              <a:rPr lang="hu-HU" sz="2300" dirty="0"/>
+              <a:t>)</a:t>
+            </a:r>
+          </a:p>
+          <a:p>
+            <a:r>
+              <a:rPr lang="hu-HU" sz="2300" dirty="0"/>
+              <a:t>Detektáljuk a kameraképen előforduló arcot (</a:t>
+            </a:r>
+            <a:r>
+              <a:rPr lang="hu-HU" sz="2300" dirty="0" err="1"/>
+              <a:t>detectMultiScale</a:t>
+            </a:r>
+            <a:r>
+              <a:rPr lang="hu-HU" sz="2300" dirty="0"/>
+              <a:t>)</a:t>
+            </a:r>
+          </a:p>
+          <a:p>
+            <a:r>
+              <a:rPr lang="hu-HU" sz="2300" dirty="0"/>
+              <a:t>A függvény visszaad egy négyzetet, ami a detektált arcot határolja</a:t>
+            </a:r>
+          </a:p>
+          <a:p>
+            <a:r>
+              <a:rPr lang="hu-HU" sz="2300" dirty="0"/>
+              <a:t>A négyzet 128x128 pixelre lesz átméretezve, JPG formátumban mentjük</a:t>
+            </a:r>
+          </a:p>
+          <a:p>
+            <a:r>
+              <a:rPr lang="hu-HU" sz="2300" dirty="0"/>
+              <a:t>Az arcról készült képek (10 db) a tanító képeket tartalmazó mappába kerülnek</a:t>
+            </a:r>
+          </a:p>
+          <a:p>
+            <a:endParaRPr lang="hu-HU" sz="2300" dirty="0"/>
+          </a:p>
+          <a:p>
+            <a:endParaRPr lang="hu-HU" sz="2300" dirty="0"/>
           </a:p>
         </p:txBody>
       </p:sp>
@@ -6174,7 +7114,7 @@
           <a:p>
             <a:pPr algn="ctr" rtl="0"/>
             <a:r>
-              <a:rPr lang="hu" sz="3200" dirty="0"/>
+              <a:rPr lang="hu" dirty="0"/>
               <a:t>Arcfelismerés</a:t>
             </a:r>
           </a:p>
@@ -6203,10 +7143,55 @@
           </a:xfrm>
         </p:spPr>
         <p:txBody>
-          <a:bodyPr/>
+          <a:bodyPr>
+            <a:normAutofit/>
+          </a:bodyPr>
           <a:lstStyle/>
           <a:p>
-            <a:endParaRPr lang="hu-HU" dirty="0"/>
+            <a:r>
+              <a:rPr lang="hu-HU" sz="2300" dirty="0"/>
+              <a:t>A tanító adatokat tartalmazó mappából beolvassuk a képeket és a címkéket</a:t>
+            </a:r>
+          </a:p>
+          <a:p>
+            <a:r>
+              <a:rPr lang="hu-HU" sz="2300" dirty="0"/>
+              <a:t>Létrehozunk az </a:t>
+            </a:r>
+            <a:r>
+              <a:rPr lang="hu-HU" sz="2300" dirty="0" err="1"/>
+              <a:t>Eigenface</a:t>
+            </a:r>
+            <a:r>
+              <a:rPr lang="hu-HU" sz="2300" dirty="0"/>
+              <a:t> módszerrel egy modellt, melynek betanítjuk a képeket és a címkéket</a:t>
+            </a:r>
+          </a:p>
+          <a:p>
+            <a:r>
+              <a:rPr lang="hu-HU" sz="2300" dirty="0"/>
+              <a:t>A tanítás során létrejövő adatokat egy külön fájlban tároljuk, ezt dolgozza fel a </a:t>
+            </a:r>
+            <a:r>
+              <a:rPr lang="hu-HU" sz="2300" dirty="0" err="1"/>
+              <a:t>Fisherface</a:t>
+            </a:r>
+            <a:r>
+              <a:rPr lang="hu-HU" sz="2300" dirty="0"/>
+              <a:t> módszerrel létrehozott modellünk</a:t>
+            </a:r>
+          </a:p>
+          <a:p>
+            <a:r>
+              <a:rPr lang="hu-HU" sz="2300" dirty="0"/>
+              <a:t>Elindul a kamera élőképe, detektáljuk az előforduló arcokat, amennyiben a betanított személy is szerepel a kameraképen, úgy annak arca felett megjelenik a korábban megadott sorszáma is</a:t>
+            </a:r>
+          </a:p>
+          <a:p>
+            <a:r>
+              <a:rPr lang="hu-HU" sz="2300" dirty="0"/>
+              <a:t>Ha több betanított személy is szerepel a kameraképen, akkor mindannyian a saját sorszámukat láthatják</a:t>
+            </a:r>
           </a:p>
         </p:txBody>
       </p:sp>
